--- a/Presentation/Presentation at symposium vol. 3.pptx
+++ b/Presentation/Presentation at symposium vol. 3.pptx
@@ -5,10 +5,10 @@
     <p:sldMasterId id="2147483660" r:id="rId1"/>
   </p:sldMasterIdLst>
   <p:notesMasterIdLst>
-    <p:notesMasterId r:id="rId15"/>
+    <p:notesMasterId r:id="rId14"/>
   </p:notesMasterIdLst>
   <p:handoutMasterIdLst>
-    <p:handoutMasterId r:id="rId16"/>
+    <p:handoutMasterId r:id="rId15"/>
   </p:handoutMasterIdLst>
   <p:sldIdLst>
     <p:sldId id="256" r:id="rId2"/>
@@ -23,7 +23,6 @@
     <p:sldId id="287" r:id="rId11"/>
     <p:sldId id="290" r:id="rId12"/>
     <p:sldId id="274" r:id="rId13"/>
-    <p:sldId id="292" r:id="rId14"/>
   </p:sldIdLst>
   <p:sldSz cx="12192000" cy="6858000"/>
   <p:notesSz cx="6858000" cy="9144000"/>
@@ -8294,149 +8293,6 @@
     <p:extLst>
       <p:ext uri="{BB962C8B-B14F-4D97-AF65-F5344CB8AC3E}">
         <p14:creationId xmlns:p14="http://schemas.microsoft.com/office/powerpoint/2010/main" val="3460959513"/>
-      </p:ext>
-    </p:extLst>
-  </p:cSld>
-  <p:clrMapOvr>
-    <a:masterClrMapping/>
-  </p:clrMapOvr>
-</p:sld>
-</file>
-
-<file path=ppt/slides/slide13.xml><?xml version="1.0" encoding="utf-8"?>
-<p:sld xmlns:a="http://schemas.openxmlformats.org/drawingml/2006/main" xmlns:r="http://schemas.openxmlformats.org/officeDocument/2006/relationships" xmlns:p="http://schemas.openxmlformats.org/presentationml/2006/main">
-  <p:cSld>
-    <p:spTree>
-      <p:nvGrpSpPr>
-        <p:cNvPr id="1" name=""/>
-        <p:cNvGrpSpPr/>
-        <p:nvPr/>
-      </p:nvGrpSpPr>
-      <p:grpSpPr>
-        <a:xfrm>
-          <a:off x="0" y="0"/>
-          <a:ext cx="0" cy="0"/>
-          <a:chOff x="0" y="0"/>
-          <a:chExt cx="0" cy="0"/>
-        </a:xfrm>
-      </p:grpSpPr>
-      <p:sp>
-        <p:nvSpPr>
-          <p:cNvPr id="4" name="Pladsholder til indhold 2">
-            <a:extLst>
-              <a:ext uri="{FF2B5EF4-FFF2-40B4-BE49-F238E27FC236}">
-                <a16:creationId xmlns:a16="http://schemas.microsoft.com/office/drawing/2014/main" id="{8322633A-02A0-415B-AD15-9DC950D24CCF}"/>
-              </a:ext>
-            </a:extLst>
-          </p:cNvPr>
-          <p:cNvSpPr>
-            <a:spLocks noGrp="1"/>
-          </p:cNvSpPr>
-          <p:nvPr>
-            <p:ph idx="1"/>
-          </p:nvPr>
-        </p:nvSpPr>
-        <p:spPr>
-          <a:xfrm>
-            <a:off x="684211" y="685800"/>
-            <a:ext cx="11094131" cy="1012371"/>
-          </a:xfrm>
-        </p:spPr>
-        <p:txBody>
-          <a:bodyPr>
-            <a:normAutofit/>
-          </a:bodyPr>
-          <a:lstStyle/>
-          <a:p>
-            <a:pPr marL="0" indent="0" algn="ctr">
-              <a:buNone/>
-            </a:pPr>
-            <a:r>
-              <a:rPr lang="en-US" sz="3200" dirty="0">
-                <a:solidFill>
-                  <a:schemeClr val="bg1"/>
-                </a:solidFill>
-              </a:rPr>
-              <a:t>And the word go´s to……</a:t>
-            </a:r>
-          </a:p>
-        </p:txBody>
-      </p:sp>
-      <p:pic>
-        <p:nvPicPr>
-          <p:cNvPr id="8" name="Billede 7" descr="Et billede, der indeholder person, indendørs, gulv, stående&#10;&#10;Automatisk genereret beskrivelse">
-            <a:extLst>
-              <a:ext uri="{FF2B5EF4-FFF2-40B4-BE49-F238E27FC236}">
-                <a16:creationId xmlns:a16="http://schemas.microsoft.com/office/drawing/2014/main" id="{EBEA3ABD-8C09-4CEA-A959-70392672FBA2}"/>
-              </a:ext>
-            </a:extLst>
-          </p:cNvPr>
-          <p:cNvPicPr>
-            <a:picLocks noChangeAspect="1"/>
-          </p:cNvPicPr>
-          <p:nvPr/>
-        </p:nvPicPr>
-        <p:blipFill rotWithShape="1">
-          <a:blip r:embed="rId2">
-            <a:extLst>
-              <a:ext uri="{28A0092B-C50C-407E-A947-70E740481C1C}">
-                <a14:useLocalDpi xmlns:a14="http://schemas.microsoft.com/office/drawing/2010/main" val="0"/>
-              </a:ext>
-            </a:extLst>
-          </a:blip>
-          <a:srcRect t="14512" r="911"/>
-          <a:stretch/>
-        </p:blipFill>
-        <p:spPr>
-          <a:xfrm>
-            <a:off x="3213206" y="1603747"/>
-            <a:ext cx="1912195" cy="4568453"/>
-          </a:xfrm>
-          <a:prstGeom prst="rect">
-            <a:avLst/>
-          </a:prstGeom>
-        </p:spPr>
-      </p:pic>
-      <p:pic>
-        <p:nvPicPr>
-          <p:cNvPr id="10" name="Billede 9" descr="Et billede, der indeholder indendørs, gulv, person, stående&#10;&#10;Automatisk genereret beskrivelse">
-            <a:extLst>
-              <a:ext uri="{FF2B5EF4-FFF2-40B4-BE49-F238E27FC236}">
-                <a16:creationId xmlns:a16="http://schemas.microsoft.com/office/drawing/2014/main" id="{8B66C566-4466-480A-91F9-A46F0092B00F}"/>
-              </a:ext>
-            </a:extLst>
-          </p:cNvPr>
-          <p:cNvPicPr>
-            <a:picLocks noChangeAspect="1"/>
-          </p:cNvPicPr>
-          <p:nvPr/>
-        </p:nvPicPr>
-        <p:blipFill>
-          <a:blip r:embed="rId3">
-            <a:extLst>
-              <a:ext uri="{28A0092B-C50C-407E-A947-70E740481C1C}">
-                <a14:useLocalDpi xmlns:a14="http://schemas.microsoft.com/office/drawing/2010/main" val="0"/>
-              </a:ext>
-            </a:extLst>
-          </a:blip>
-          <a:stretch>
-            <a:fillRect/>
-          </a:stretch>
-        </p:blipFill>
-        <p:spPr>
-          <a:xfrm>
-            <a:off x="6519269" y="1603747"/>
-            <a:ext cx="2054551" cy="4568453"/>
-          </a:xfrm>
-          <a:prstGeom prst="rect">
-            <a:avLst/>
-          </a:prstGeom>
-        </p:spPr>
-      </p:pic>
-    </p:spTree>
-    <p:extLst>
-      <p:ext uri="{BB962C8B-B14F-4D97-AF65-F5344CB8AC3E}">
-        <p14:creationId xmlns:p14="http://schemas.microsoft.com/office/powerpoint/2010/main" val="788726731"/>
       </p:ext>
     </p:extLst>
   </p:cSld>
